--- a/Deeksha J project.pptx
+++ b/Deeksha J project.pptx
@@ -119,7 +119,18 @@
   </p:defaultTextStyle>
   <p:extLst>
     <p:ext uri="{EFAFB233-063F-42B5-8137-9DF3F51BA10A}">
-      <p15:sldGuideLst xmlns:p15="http://schemas.microsoft.com/office/powerpoint/2012/main" xmlns=""/>
+      <p15:sldGuideLst xmlns:p15="http://schemas.microsoft.com/office/powerpoint/2012/main">
+        <p15:guide id="1" orient="horz" pos="2136" userDrawn="1">
+          <p15:clr>
+            <a:srgbClr val="A4A3A4"/>
+          </p15:clr>
+        </p15:guide>
+        <p15:guide id="2" pos="3840">
+          <p15:clr>
+            <a:srgbClr val="A4A3A4"/>
+          </p15:clr>
+        </p15:guide>
+      </p15:sldGuideLst>
     </p:ext>
   </p:extLst>
 </p:presentation>
@@ -207,7 +218,7 @@
           <a:p>
             <a:fld id="{46256A78-79A6-408F-8148-4F87BB81602D}" type="datetimeFigureOut">
               <a:rPr lang="en-IN" smtClean="0"/>
-              <a:t>17-01-2025</a:t>
+              <a:t>19-02-2025</a:t>
             </a:fld>
             <a:endParaRPr lang="en-IN"/>
           </a:p>
@@ -693,7 +704,7 @@
           <p:cNvPr id="8" name="Date Placeholder 7">
             <a:extLst>
               <a:ext uri="{FF2B5EF4-FFF2-40B4-BE49-F238E27FC236}">
-                <a16:creationId xmlns:a16="http://schemas.microsoft.com/office/drawing/2014/main" xmlns="" id="{7FA0ACE7-29A8-47D3-A7D9-257B711D8023}"/>
+                <a16:creationId xmlns:a16="http://schemas.microsoft.com/office/drawing/2014/main" id="{7FA0ACE7-29A8-47D3-A7D9-257B711D8023}"/>
               </a:ext>
             </a:extLst>
           </p:cNvPr>
@@ -711,7 +722,7 @@
           <a:p>
             <a:fld id="{ED291B17-9318-49DB-B28B-6E5994AE9581}" type="datetime1">
               <a:rPr lang="en-US" smtClean="0"/>
-              <a:t>1/17/2025</a:t>
+              <a:t>2/19/2025</a:t>
             </a:fld>
             <a:endParaRPr lang="en-US"/>
           </a:p>
@@ -722,7 +733,7 @@
           <p:cNvPr id="9" name="Footer Placeholder 8">
             <a:extLst>
               <a:ext uri="{FF2B5EF4-FFF2-40B4-BE49-F238E27FC236}">
-                <a16:creationId xmlns:a16="http://schemas.microsoft.com/office/drawing/2014/main" xmlns="" id="{DEC604B9-52E9-4810-8359-47206518D038}"/>
+                <a16:creationId xmlns:a16="http://schemas.microsoft.com/office/drawing/2014/main" id="{DEC604B9-52E9-4810-8359-47206518D038}"/>
               </a:ext>
             </a:extLst>
           </p:cNvPr>
@@ -755,7 +766,7 @@
           <p:cNvPr id="10" name="Slide Number Placeholder 9">
             <a:extLst>
               <a:ext uri="{FF2B5EF4-FFF2-40B4-BE49-F238E27FC236}">
-                <a16:creationId xmlns:a16="http://schemas.microsoft.com/office/drawing/2014/main" xmlns="" id="{5898A89F-CA25-400F-B05A-AECBF2517E4F}"/>
+                <a16:creationId xmlns:a16="http://schemas.microsoft.com/office/drawing/2014/main" id="{5898A89F-CA25-400F-B05A-AECBF2517E4F}"/>
               </a:ext>
             </a:extLst>
           </p:cNvPr>
@@ -920,7 +931,7 @@
           <a:p>
             <a:fld id="{2CED4963-E985-44C4-B8C4-FDD613B7C2F8}" type="datetime1">
               <a:rPr lang="en-US" smtClean="0"/>
-              <a:t>1/17/2025</a:t>
+              <a:t>2/19/2025</a:t>
             </a:fld>
             <a:endParaRPr lang="en-US"/>
           </a:p>
@@ -1141,7 +1152,7 @@
           <p:cNvPr id="8" name="Rectangle 7">
             <a:extLst>
               <a:ext uri="{FF2B5EF4-FFF2-40B4-BE49-F238E27FC236}">
-                <a16:creationId xmlns:a16="http://schemas.microsoft.com/office/drawing/2014/main" xmlns="" id="{F6423B97-A5D4-47B9-8861-73B3707A04CF}"/>
+                <a16:creationId xmlns:a16="http://schemas.microsoft.com/office/drawing/2014/main" id="{F6423B97-A5D4-47B9-8861-73B3707A04CF}"/>
               </a:ext>
             </a:extLst>
           </p:cNvPr>
@@ -1184,7 +1195,7 @@
           <p:cNvPr id="9" name="Rectangle 8">
             <a:extLst>
               <a:ext uri="{FF2B5EF4-FFF2-40B4-BE49-F238E27FC236}">
-                <a16:creationId xmlns:a16="http://schemas.microsoft.com/office/drawing/2014/main" xmlns="" id="{1AEC0421-37B4-4481-A10D-69FDF5EC7909}"/>
+                <a16:creationId xmlns:a16="http://schemas.microsoft.com/office/drawing/2014/main" id="{1AEC0421-37B4-4481-A10D-69FDF5EC7909}"/>
               </a:ext>
             </a:extLst>
           </p:cNvPr>
@@ -1227,7 +1238,7 @@
           <p:cNvPr id="10" name="Rectangle 9">
             <a:extLst>
               <a:ext uri="{FF2B5EF4-FFF2-40B4-BE49-F238E27FC236}">
-                <a16:creationId xmlns:a16="http://schemas.microsoft.com/office/drawing/2014/main" xmlns="" id="{5F7265B5-9F97-4F1E-99E9-74F7B7E62337}"/>
+                <a16:creationId xmlns:a16="http://schemas.microsoft.com/office/drawing/2014/main" id="{5F7265B5-9F97-4F1E-99E9-74F7B7E62337}"/>
               </a:ext>
             </a:extLst>
           </p:cNvPr>
@@ -1270,7 +1281,7 @@
           <p:cNvPr id="11" name="Date Placeholder 10">
             <a:extLst>
               <a:ext uri="{FF2B5EF4-FFF2-40B4-BE49-F238E27FC236}">
-                <a16:creationId xmlns:a16="http://schemas.microsoft.com/office/drawing/2014/main" xmlns="" id="{5C74A470-3BD3-4F33-80E5-67E6E87FCBE7}"/>
+                <a16:creationId xmlns:a16="http://schemas.microsoft.com/office/drawing/2014/main" id="{5C74A470-3BD3-4F33-80E5-67E6E87FCBE7}"/>
               </a:ext>
             </a:extLst>
           </p:cNvPr>
@@ -1288,7 +1299,7 @@
           <a:p>
             <a:fld id="{ED291B17-9318-49DB-B28B-6E5994AE9581}" type="datetime1">
               <a:rPr lang="en-US" smtClean="0"/>
-              <a:t>1/17/2025</a:t>
+              <a:t>2/19/2025</a:t>
             </a:fld>
             <a:endParaRPr lang="en-US"/>
           </a:p>
@@ -1299,7 +1310,7 @@
           <p:cNvPr id="12" name="Footer Placeholder 11">
             <a:extLst>
               <a:ext uri="{FF2B5EF4-FFF2-40B4-BE49-F238E27FC236}">
-                <a16:creationId xmlns:a16="http://schemas.microsoft.com/office/drawing/2014/main" xmlns="" id="{9A3A30BA-DB50-4D7D-BCDE-17D20FB354DF}"/>
+                <a16:creationId xmlns:a16="http://schemas.microsoft.com/office/drawing/2014/main" id="{9A3A30BA-DB50-4D7D-BCDE-17D20FB354DF}"/>
               </a:ext>
             </a:extLst>
           </p:cNvPr>
@@ -1332,7 +1343,7 @@
           <p:cNvPr id="13" name="Slide Number Placeholder 12">
             <a:extLst>
               <a:ext uri="{FF2B5EF4-FFF2-40B4-BE49-F238E27FC236}">
-                <a16:creationId xmlns:a16="http://schemas.microsoft.com/office/drawing/2014/main" xmlns="" id="{76FF9E58-C0B2-436B-A21C-DB45A00D6515}"/>
+                <a16:creationId xmlns:a16="http://schemas.microsoft.com/office/drawing/2014/main" id="{76FF9E58-C0B2-436B-A21C-DB45A00D6515}"/>
               </a:ext>
             </a:extLst>
           </p:cNvPr>
@@ -1474,7 +1485,7 @@
           <p:cNvPr id="8" name="Date Placeholder 7">
             <a:extLst>
               <a:ext uri="{FF2B5EF4-FFF2-40B4-BE49-F238E27FC236}">
-                <a16:creationId xmlns:a16="http://schemas.microsoft.com/office/drawing/2014/main" xmlns="" id="{770E6237-3456-439F-802D-3BA93FC7E3E5}"/>
+                <a16:creationId xmlns:a16="http://schemas.microsoft.com/office/drawing/2014/main" id="{770E6237-3456-439F-802D-3BA93FC7E3E5}"/>
               </a:ext>
             </a:extLst>
           </p:cNvPr>
@@ -1492,7 +1503,7 @@
           <a:p>
             <a:fld id="{78DD82B9-B8EE-4375-B6FF-88FA6ABB15D9}" type="datetime1">
               <a:rPr lang="en-US" smtClean="0"/>
-              <a:t>1/17/2025</a:t>
+              <a:t>2/19/2025</a:t>
             </a:fld>
             <a:endParaRPr lang="en-US"/>
           </a:p>
@@ -1731,7 +1742,7 @@
           <p:cNvPr id="7" name="Date Placeholder 6">
             <a:extLst>
               <a:ext uri="{FF2B5EF4-FFF2-40B4-BE49-F238E27FC236}">
-                <a16:creationId xmlns:a16="http://schemas.microsoft.com/office/drawing/2014/main" xmlns="" id="{61582016-5696-4A93-887F-BBB3B9002FE5}"/>
+                <a16:creationId xmlns:a16="http://schemas.microsoft.com/office/drawing/2014/main" id="{61582016-5696-4A93-887F-BBB3B9002FE5}"/>
               </a:ext>
             </a:extLst>
           </p:cNvPr>
@@ -1749,7 +1760,7 @@
           <a:p>
             <a:fld id="{B2497495-0637-405E-AE64-5CC7506D51F5}" type="datetime1">
               <a:rPr lang="en-US" smtClean="0"/>
-              <a:t>1/17/2025</a:t>
+              <a:t>2/19/2025</a:t>
             </a:fld>
             <a:endParaRPr lang="en-US"/>
           </a:p>
@@ -1760,7 +1771,7 @@
           <p:cNvPr id="9" name="Footer Placeholder 8">
             <a:extLst>
               <a:ext uri="{FF2B5EF4-FFF2-40B4-BE49-F238E27FC236}">
-                <a16:creationId xmlns:a16="http://schemas.microsoft.com/office/drawing/2014/main" xmlns="" id="{857CFCD5-1192-4E18-8A8F-29E153B44DA4}"/>
+                <a16:creationId xmlns:a16="http://schemas.microsoft.com/office/drawing/2014/main" id="{857CFCD5-1192-4E18-8A8F-29E153B44DA4}"/>
               </a:ext>
             </a:extLst>
           </p:cNvPr>
@@ -1793,7 +1804,7 @@
           <p:cNvPr id="10" name="Slide Number Placeholder 9">
             <a:extLst>
               <a:ext uri="{FF2B5EF4-FFF2-40B4-BE49-F238E27FC236}">
-                <a16:creationId xmlns:a16="http://schemas.microsoft.com/office/drawing/2014/main" xmlns="" id="{E39A109E-5018-4794-92B3-FD5E5BCD95E8}"/>
+                <a16:creationId xmlns:a16="http://schemas.microsoft.com/office/drawing/2014/main" id="{E39A109E-5018-4794-92B3-FD5E5BCD95E8}"/>
               </a:ext>
             </a:extLst>
           </p:cNvPr>
@@ -2007,7 +2018,7 @@
           <a:p>
             <a:fld id="{7BFFD690-9426-415D-8B65-26881E07B2D4}" type="datetime1">
               <a:rPr lang="en-US" smtClean="0"/>
-              <a:t>1/17/2025</a:t>
+              <a:t>2/19/2025</a:t>
             </a:fld>
             <a:endParaRPr lang="en-US"/>
           </a:p>
@@ -2434,7 +2445,7 @@
           <a:p>
             <a:fld id="{04C4989A-474C-40DE-95B9-011C28B71673}" type="datetime1">
               <a:rPr lang="en-US" smtClean="0"/>
-              <a:t>1/17/2025</a:t>
+              <a:t>2/19/2025</a:t>
             </a:fld>
             <a:endParaRPr lang="en-US"/>
           </a:p>
@@ -2564,7 +2575,7 @@
           <a:p>
             <a:fld id="{5DB4ED54-5B5E-4A04-93D3-5772E3CE3818}" type="datetime1">
               <a:rPr lang="en-US" smtClean="0"/>
-              <a:t>1/17/2025</a:t>
+              <a:t>2/19/2025</a:t>
             </a:fld>
             <a:endParaRPr lang="en-US"/>
           </a:p>
@@ -2667,7 +2678,7 @@
           <a:p>
             <a:fld id="{4EDE50D6-574B-40AF-946F-D52A04ADE379}" type="datetime1">
               <a:rPr lang="en-US" smtClean="0"/>
-              <a:t>1/17/2025</a:t>
+              <a:t>2/19/2025</a:t>
             </a:fld>
             <a:endParaRPr lang="en-US"/>
           </a:p>
@@ -3027,7 +3038,7 @@
           <p:cNvPr id="8" name="Date Placeholder 7">
             <a:extLst>
               <a:ext uri="{FF2B5EF4-FFF2-40B4-BE49-F238E27FC236}">
-                <a16:creationId xmlns:a16="http://schemas.microsoft.com/office/drawing/2014/main" xmlns="" id="{0B919CC2-2A65-446F-B538-9E6249035445}"/>
+                <a16:creationId xmlns:a16="http://schemas.microsoft.com/office/drawing/2014/main" id="{0B919CC2-2A65-446F-B538-9E6249035445}"/>
               </a:ext>
             </a:extLst>
           </p:cNvPr>
@@ -3050,7 +3061,7 @@
           <a:p>
             <a:fld id="{D82884F1-FFEA-405F-9602-3DCA865EDA4E}" type="datetime1">
               <a:rPr lang="en-US" smtClean="0"/>
-              <a:t>1/17/2025</a:t>
+              <a:t>2/19/2025</a:t>
             </a:fld>
             <a:endParaRPr lang="en-US"/>
           </a:p>
@@ -3061,7 +3072,7 @@
           <p:cNvPr id="10" name="Footer Placeholder 9">
             <a:extLst>
               <a:ext uri="{FF2B5EF4-FFF2-40B4-BE49-F238E27FC236}">
-                <a16:creationId xmlns:a16="http://schemas.microsoft.com/office/drawing/2014/main" xmlns="" id="{B72412AE-119E-4982-8B24-63365EFCA796}"/>
+                <a16:creationId xmlns:a16="http://schemas.microsoft.com/office/drawing/2014/main" id="{B72412AE-119E-4982-8B24-63365EFCA796}"/>
               </a:ext>
             </a:extLst>
           </p:cNvPr>
@@ -3094,7 +3105,7 @@
           <p:cNvPr id="11" name="Slide Number Placeholder 10">
             <a:extLst>
               <a:ext uri="{FF2B5EF4-FFF2-40B4-BE49-F238E27FC236}">
-                <a16:creationId xmlns:a16="http://schemas.microsoft.com/office/drawing/2014/main" xmlns="" id="{7FC4BB19-6AD1-45CF-9F99-00B109890FAB}"/>
+                <a16:creationId xmlns:a16="http://schemas.microsoft.com/office/drawing/2014/main" id="{7FC4BB19-6AD1-45CF-9F99-00B109890FAB}"/>
               </a:ext>
             </a:extLst>
           </p:cNvPr>
@@ -3344,7 +3355,7 @@
           <a:p>
             <a:fld id="{7E18DB4A-8810-4A10-AD5C-D5E2C667F5B3}" type="datetime1">
               <a:rPr lang="en-US" smtClean="0"/>
-              <a:t>1/17/2025</a:t>
+              <a:t>2/19/2025</a:t>
             </a:fld>
             <a:endParaRPr lang="en-US"/>
           </a:p>
@@ -3565,7 +3576,7 @@
           <a:p>
             <a:fld id="{ED291B17-9318-49DB-B28B-6E5994AE9581}" type="datetime1">
               <a:rPr lang="en-US" smtClean="0"/>
-              <a:t>1/17/2025</a:t>
+              <a:t>2/19/2025</a:t>
             </a:fld>
             <a:endParaRPr lang="en-US"/>
           </a:p>
@@ -3729,7 +3740,7 @@
           <p:cNvPr id="8" name="Picture 7" descr="Logo&#10;&#10;Description automatically generated">
             <a:extLst>
               <a:ext uri="{FF2B5EF4-FFF2-40B4-BE49-F238E27FC236}">
-                <a16:creationId xmlns:a16="http://schemas.microsoft.com/office/drawing/2014/main" xmlns="" id="{14A64E4D-8DED-7830-2955-1BE78C5B0655}"/>
+                <a16:creationId xmlns:a16="http://schemas.microsoft.com/office/drawing/2014/main" id="{14A64E4D-8DED-7830-2955-1BE78C5B0655}"/>
               </a:ext>
             </a:extLst>
           </p:cNvPr>
@@ -4194,7 +4205,7 @@
           <p:cNvPr id="2" name="Title 1">
             <a:extLst>
               <a:ext uri="{FF2B5EF4-FFF2-40B4-BE49-F238E27FC236}">
-                <a16:creationId xmlns:a16="http://schemas.microsoft.com/office/drawing/2014/main" xmlns="" id="{A8A11E26-4C38-41A6-9857-11032CEECD80}"/>
+                <a16:creationId xmlns:a16="http://schemas.microsoft.com/office/drawing/2014/main" id="{A8A11E26-4C38-41A6-9857-11032CEECD80}"/>
               </a:ext>
             </a:extLst>
           </p:cNvPr>
@@ -4212,7 +4223,9 @@
           </a:xfrm>
         </p:spPr>
         <p:txBody>
-          <a:bodyPr/>
+          <a:bodyPr>
+            <a:normAutofit fontScale="90000"/>
+          </a:bodyPr>
           <a:lstStyle/>
           <a:p>
             <a:pPr algn="ctr"/>
@@ -4224,7 +4237,7 @@
                 <a:latin typeface="Arial" panose="020B0604020202020204" pitchFamily="34" charset="0"/>
                 <a:cs typeface="Arial" panose="020B0604020202020204" pitchFamily="34" charset="0"/>
               </a:rPr>
-              <a:t>PROJECT TITLE</a:t>
+              <a:t>Secure Data Hiding In Images Using Steganography</a:t>
             </a:r>
           </a:p>
         </p:txBody>
@@ -4253,7 +4266,7 @@
           <a:p>
             <a:pPr algn="ctr"/>
             <a:r>
-              <a:rPr lang="en-US" sz="3200" b="1" dirty="0" smtClean="0">
+              <a:rPr lang="en-US" sz="3200" b="1" dirty="0">
                 <a:solidFill>
                   <a:schemeClr val="accent1">
                     <a:lumMod val="75000"/>
@@ -4264,15 +4277,6 @@
               </a:rPr>
               <a:t>CAPSTONE PROJECT</a:t>
             </a:r>
-            <a:endParaRPr lang="en-US" sz="3200" b="1" dirty="0">
-              <a:solidFill>
-                <a:schemeClr val="accent1">
-                  <a:lumMod val="75000"/>
-                </a:schemeClr>
-              </a:solidFill>
-              <a:latin typeface="Arial"/>
-              <a:cs typeface="Arial"/>
-            </a:endParaRPr>
           </a:p>
         </p:txBody>
       </p:sp>
@@ -4285,7 +4289,7 @@
         <p:spPr>
           <a:xfrm>
             <a:off x="3117529" y="4586365"/>
-            <a:ext cx="7980183" cy="1323439"/>
+            <a:ext cx="7980183" cy="1631216"/>
           </a:xfrm>
           <a:prstGeom prst="rect">
             <a:avLst/>
@@ -4308,22 +4312,10 @@
                 <a:latin typeface="Arial" pitchFamily="34" charset="0"/>
                 <a:cs typeface="Arial" pitchFamily="34" charset="0"/>
               </a:rPr>
-              <a:t>Presented By:</a:t>
-            </a:r>
-          </a:p>
-          <a:p>
-            <a:r>
-              <a:rPr lang="en-US" sz="2000" b="1" dirty="0" smtClean="0">
-                <a:solidFill>
-                  <a:schemeClr val="accent1">
-                    <a:lumMod val="75000"/>
-                  </a:schemeClr>
-                </a:solidFill>
-                <a:latin typeface="Arial"/>
-                <a:cs typeface="Arial"/>
-              </a:rPr>
-              <a:t>Student Name </a:t>
-            </a:r>
+              <a:t>Presented By: Deeksha J</a:t>
+            </a:r>
+          </a:p>
+          <a:p>
             <a:r>
               <a:rPr lang="en-US" sz="2000" b="1" dirty="0">
                 <a:solidFill>
@@ -4334,22 +4326,10 @@
                 <a:latin typeface="Arial"/>
                 <a:cs typeface="Arial"/>
               </a:rPr>
-              <a:t>: </a:t>
-            </a:r>
-          </a:p>
-          <a:p>
-            <a:r>
-              <a:rPr lang="en-US" sz="2000" b="1" dirty="0" smtClean="0">
-                <a:solidFill>
-                  <a:schemeClr val="accent1">
-                    <a:lumMod val="75000"/>
-                  </a:schemeClr>
-                </a:solidFill>
-                <a:latin typeface="Arial"/>
-                <a:cs typeface="Arial"/>
-              </a:rPr>
-              <a:t>College </a:t>
-            </a:r>
+              <a:t>Student Name : Deeksha J</a:t>
+            </a:r>
+          </a:p>
+          <a:p>
             <a:r>
               <a:rPr lang="en-US" sz="2000" b="1" dirty="0">
                 <a:solidFill>
@@ -4360,7 +4340,7 @@
                 <a:latin typeface="Arial"/>
                 <a:cs typeface="Arial"/>
               </a:rPr>
-              <a:t>Name &amp; Department : </a:t>
+              <a:t>College Name &amp; Department : SJB Institute of Technology &amp; Computer Science and Engineering </a:t>
             </a:r>
           </a:p>
           <a:p>
@@ -4411,7 +4391,7 @@
           <p:cNvPr id="3" name="Content Placeholder 2">
             <a:extLst>
               <a:ext uri="{FF2B5EF4-FFF2-40B4-BE49-F238E27FC236}">
-                <a16:creationId xmlns:a16="http://schemas.microsoft.com/office/drawing/2014/main" xmlns="" id="{A6638FD1-D00E-E75B-705C-564F06D93D7B}"/>
+                <a16:creationId xmlns:a16="http://schemas.microsoft.com/office/drawing/2014/main" id="{A6638FD1-D00E-E75B-705C-564F06D93D7B}"/>
               </a:ext>
             </a:extLst>
           </p:cNvPr>
@@ -4424,11 +4404,102 @@
         </p:nvSpPr>
         <p:spPr/>
         <p:txBody>
-          <a:bodyPr/>
+          <a:bodyPr>
+            <a:normAutofit/>
+          </a:bodyPr>
           <a:lstStyle/>
           <a:p>
+            <a:pPr marL="0" indent="0">
+              <a:buNone/>
+            </a:pPr>
+            <a:r>
+              <a:rPr lang="en-US" sz="2800" dirty="0"/>
+              <a:t>🚀 </a:t>
+            </a:r>
+            <a:r>
+              <a:rPr lang="en-US" sz="2800" b="1" dirty="0"/>
+              <a:t>Planned Enhancements:</a:t>
+            </a:r>
+            <a:br>
+              <a:rPr lang="en-US" sz="2800" dirty="0"/>
+            </a:br>
+            <a:r>
+              <a:rPr lang="en-US" sz="2800" dirty="0"/>
+              <a:t>🔹 </a:t>
+            </a:r>
+            <a:r>
+              <a:rPr lang="en-US" sz="2800" b="1" dirty="0"/>
+              <a:t>AES Encryption Integration</a:t>
+            </a:r>
+            <a:r>
+              <a:rPr lang="en-US" sz="2800" dirty="0"/>
+              <a:t> for military-grade security.</a:t>
+            </a:r>
+            <a:br>
+              <a:rPr lang="en-US" sz="2800" dirty="0"/>
+            </a:br>
+            <a:r>
+              <a:rPr lang="en-US" sz="2800" dirty="0"/>
+              <a:t>🔹 </a:t>
+            </a:r>
+            <a:r>
+              <a:rPr lang="en-US" sz="2800" b="1" dirty="0"/>
+              <a:t>Cloud Storage Support</a:t>
+            </a:r>
+            <a:r>
+              <a:rPr lang="en-US" sz="2800" dirty="0"/>
+              <a:t> – Securely store &amp; retrieve encrypted images online.</a:t>
+            </a:r>
+            <a:br>
+              <a:rPr lang="en-US" sz="2800" dirty="0"/>
+            </a:br>
+            <a:r>
+              <a:rPr lang="en-US" sz="2800" dirty="0"/>
+              <a:t>🔹 </a:t>
+            </a:r>
+            <a:r>
+              <a:rPr lang="en-US" sz="2800" b="1" dirty="0"/>
+              <a:t>Steganography Feature</a:t>
+            </a:r>
+            <a:r>
+              <a:rPr lang="en-US" sz="2800" dirty="0"/>
+              <a:t> – Hide secret messages inside </a:t>
+            </a:r>
+            <a:r>
+              <a:rPr lang="en-US" sz="2800" b="1" dirty="0"/>
+              <a:t>normal-looking images</a:t>
+            </a:r>
+            <a:r>
+              <a:rPr lang="en-US" sz="2800" dirty="0"/>
+              <a:t>.</a:t>
+            </a:r>
+            <a:br>
+              <a:rPr lang="en-US" sz="2800" dirty="0"/>
+            </a:br>
+            <a:r>
+              <a:rPr lang="en-US" sz="2800" dirty="0"/>
+              <a:t>🔹 </a:t>
+            </a:r>
+            <a:r>
+              <a:rPr lang="en-US" sz="2800" b="1" dirty="0"/>
+              <a:t>Mobile App Version</a:t>
+            </a:r>
+            <a:r>
+              <a:rPr lang="en-US" sz="2800" dirty="0"/>
+              <a:t> – Encrypt &amp; decrypt images </a:t>
+            </a:r>
+            <a:r>
+              <a:rPr lang="en-US" sz="2800" b="1" dirty="0"/>
+              <a:t>directly from a smartphone</a:t>
+            </a:r>
+            <a:r>
+              <a:rPr lang="en-US" sz="2800" dirty="0"/>
+              <a:t>.</a:t>
+            </a:r>
+          </a:p>
+          <a:p>
             <a:pPr marL="305435" indent="-305435"/>
-            <a:endParaRPr lang="en-US" dirty="0"/>
+            <a:endParaRPr lang="en-US" sz="2800" dirty="0"/>
           </a:p>
         </p:txBody>
       </p:sp>
@@ -4437,7 +4508,7 @@
           <p:cNvPr id="5" name="Title 4">
             <a:extLst>
               <a:ext uri="{FF2B5EF4-FFF2-40B4-BE49-F238E27FC236}">
-                <a16:creationId xmlns:a16="http://schemas.microsoft.com/office/drawing/2014/main" xmlns="" id="{3F968F13-9AC4-7120-7ACD-9F752C767D5D}"/>
+                <a16:creationId xmlns:a16="http://schemas.microsoft.com/office/drawing/2014/main" id="{3F968F13-9AC4-7120-7ACD-9F752C767D5D}"/>
               </a:ext>
             </a:extLst>
           </p:cNvPr>
@@ -4546,25 +4617,8 @@
                 <a:latin typeface="Arial"/>
                 <a:cs typeface="Arial"/>
               </a:rPr>
-              <a:t>Future </a:t>
-            </a:r>
-            <a:r>
-              <a:rPr lang="en-US" sz="4400" b="1" dirty="0" smtClean="0">
-                <a:solidFill>
-                  <a:schemeClr val="accent1"/>
-                </a:solidFill>
-                <a:latin typeface="Arial"/>
-                <a:cs typeface="Arial"/>
-              </a:rPr>
-              <a:t>scope(optional)</a:t>
-            </a:r>
-            <a:endParaRPr lang="en-US" sz="4400" b="1" dirty="0">
-              <a:solidFill>
-                <a:schemeClr val="accent1"/>
-              </a:solidFill>
-              <a:latin typeface="Arial"/>
-              <a:cs typeface="Arial"/>
-            </a:endParaRPr>
+              <a:t>Future scope(optional)</a:t>
+            </a:r>
           </a:p>
         </p:txBody>
       </p:sp>
@@ -4603,7 +4657,7 @@
           <p:cNvPr id="5" name="Title 4">
             <a:extLst>
               <a:ext uri="{FF2B5EF4-FFF2-40B4-BE49-F238E27FC236}">
-                <a16:creationId xmlns:a16="http://schemas.microsoft.com/office/drawing/2014/main" xmlns="" id="{8BE4CA82-64EC-4D4E-A5E5-3EBB66E7B24C}"/>
+                <a16:creationId xmlns:a16="http://schemas.microsoft.com/office/drawing/2014/main" id="{8BE4CA82-64EC-4D4E-A5E5-3EBB66E7B24C}"/>
               </a:ext>
             </a:extLst>
           </p:cNvPr>
@@ -4673,7 +4727,7 @@
           <p:cNvPr id="2" name="Title 1">
             <a:extLst>
               <a:ext uri="{FF2B5EF4-FFF2-40B4-BE49-F238E27FC236}">
-                <a16:creationId xmlns:a16="http://schemas.microsoft.com/office/drawing/2014/main" xmlns="" id="{49FFEB4C-F209-4AE7-AA2B-B3C26CE2C51D}"/>
+                <a16:creationId xmlns:a16="http://schemas.microsoft.com/office/drawing/2014/main" id="{49FFEB4C-F209-4AE7-AA2B-B3C26CE2C51D}"/>
               </a:ext>
             </a:extLst>
           </p:cNvPr>
@@ -4712,7 +4766,7 @@
           <p:cNvPr id="3" name="Content Placeholder 2">
             <a:extLst>
               <a:ext uri="{FF2B5EF4-FFF2-40B4-BE49-F238E27FC236}">
-                <a16:creationId xmlns:a16="http://schemas.microsoft.com/office/drawing/2014/main" xmlns="" id="{B2678641-EEA3-4EC4-BF39-4075B0C120E8}"/>
+                <a16:creationId xmlns:a16="http://schemas.microsoft.com/office/drawing/2014/main" id="{B2678641-EEA3-4EC4-BF39-4075B0C120E8}"/>
               </a:ext>
             </a:extLst>
           </p:cNvPr>
@@ -4910,7 +4964,7 @@
           <p:cNvPr id="5" name="Title 4">
             <a:extLst>
               <a:ext uri="{FF2B5EF4-FFF2-40B4-BE49-F238E27FC236}">
-                <a16:creationId xmlns:a16="http://schemas.microsoft.com/office/drawing/2014/main" xmlns="" id="{8FBA75B4-2DD5-42EB-9397-F36BFB8BA723}"/>
+                <a16:creationId xmlns:a16="http://schemas.microsoft.com/office/drawing/2014/main" id="{8FBA75B4-2DD5-42EB-9397-F36BFB8BA723}"/>
               </a:ext>
             </a:extLst>
           </p:cNvPr>
@@ -4947,7 +5001,7 @@
           <p:cNvPr id="2" name="Content Placeholder 1">
             <a:extLst>
               <a:ext uri="{FF2B5EF4-FFF2-40B4-BE49-F238E27FC236}">
-                <a16:creationId xmlns:a16="http://schemas.microsoft.com/office/drawing/2014/main" xmlns="" id="{8FEE4A9C-3F57-7DA7-91FD-715C3FB47F93}"/>
+                <a16:creationId xmlns:a16="http://schemas.microsoft.com/office/drawing/2014/main" id="{8FEE4A9C-3F57-7DA7-91FD-715C3FB47F93}"/>
               </a:ext>
             </a:extLst>
           </p:cNvPr>
@@ -4972,14 +5026,57 @@
               <a:buNone/>
             </a:pPr>
             <a:r>
-              <a:rPr lang="en-IN" sz="3200" dirty="0">
-                <a:solidFill>
-                  <a:srgbClr val="0F0F0F"/>
-                </a:solidFill>
-                <a:ea typeface="+mn-lt"/>
-                <a:cs typeface="+mn-lt"/>
-              </a:rPr>
-              <a:t>In 4 to 5 lines( write in precise words)</a:t>
+              <a:rPr lang="en-US" sz="3200" dirty="0"/>
+              <a:t>🔹 </a:t>
+            </a:r>
+            <a:r>
+              <a:rPr lang="en-US" sz="3200" b="1" dirty="0"/>
+              <a:t>Digital security is crucial</a:t>
+            </a:r>
+            <a:r>
+              <a:rPr lang="en-US" sz="3200" dirty="0"/>
+              <a:t>, but images are often </a:t>
+            </a:r>
+            <a:r>
+              <a:rPr lang="en-US" sz="3200" b="1" dirty="0"/>
+              <a:t>neglected in encryption techniques.</a:t>
+            </a:r>
+            <a:br>
+              <a:rPr lang="en-US" sz="3200" dirty="0"/>
+            </a:br>
+            <a:r>
+              <a:rPr lang="en-US" sz="3200" dirty="0"/>
+              <a:t>🔹 Traditional encryption focuses </a:t>
+            </a:r>
+            <a:r>
+              <a:rPr lang="en-US" sz="3200" b="1" dirty="0"/>
+              <a:t>mainly on text data</a:t>
+            </a:r>
+            <a:r>
+              <a:rPr lang="en-US" sz="3200" dirty="0"/>
+              <a:t>, leaving images vulnerable to theft.</a:t>
+            </a:r>
+            <a:br>
+              <a:rPr lang="en-US" sz="3200" dirty="0"/>
+            </a:br>
+            <a:r>
+              <a:rPr lang="en-US" sz="3200" dirty="0"/>
+              <a:t>🔹 Our project provides </a:t>
+            </a:r>
+            <a:r>
+              <a:rPr lang="en-US" sz="3200" b="1" dirty="0"/>
+              <a:t>a secure way to encrypt and decrypt images using passwords.</a:t>
+            </a:r>
+            <a:br>
+              <a:rPr lang="en-US" sz="3200" dirty="0"/>
+            </a:br>
+            <a:r>
+              <a:rPr lang="en-US" sz="3200" dirty="0"/>
+              <a:t>🔹 This ensures that </a:t>
+            </a:r>
+            <a:r>
+              <a:rPr lang="en-US" sz="3200" b="1" dirty="0"/>
+              <a:t>only authorized users can access hidden information.</a:t>
             </a:r>
             <a:endParaRPr lang="en-IN" dirty="0"/>
           </a:p>
@@ -5020,7 +5117,7 @@
           <p:cNvPr id="5" name="Title 4">
             <a:extLst>
               <a:ext uri="{FF2B5EF4-FFF2-40B4-BE49-F238E27FC236}">
-                <a16:creationId xmlns:a16="http://schemas.microsoft.com/office/drawing/2014/main" xmlns="" id="{8FBA75B4-2DD5-42EB-9397-F36BFB8BA723}"/>
+                <a16:creationId xmlns:a16="http://schemas.microsoft.com/office/drawing/2014/main" id="{8FBA75B4-2DD5-42EB-9397-F36BFB8BA723}"/>
               </a:ext>
             </a:extLst>
           </p:cNvPr>
@@ -5057,7 +5154,7 @@
           <p:cNvPr id="2" name="Content Placeholder 1">
             <a:extLst>
               <a:ext uri="{FF2B5EF4-FFF2-40B4-BE49-F238E27FC236}">
-                <a16:creationId xmlns:a16="http://schemas.microsoft.com/office/drawing/2014/main" xmlns="" id="{E041FD9D-DF07-9C37-1E61-1D920E0EF1D4}"/>
+                <a16:creationId xmlns:a16="http://schemas.microsoft.com/office/drawing/2014/main" id="{E041FD9D-DF07-9C37-1E61-1D920E0EF1D4}"/>
               </a:ext>
             </a:extLst>
           </p:cNvPr>
@@ -5084,8 +5181,212 @@
               <a:buNone/>
             </a:pPr>
             <a:r>
-              <a:rPr lang="en-IN" dirty="0"/>
-              <a:t>Mention libraries, platforms, </a:t>
+              <a:rPr lang="en-US" sz="2800" dirty="0">
+                <a:latin typeface="Arial" panose="020B0604020202020204" pitchFamily="34" charset="0"/>
+                <a:cs typeface="Arial" panose="020B0604020202020204" pitchFamily="34" charset="0"/>
+              </a:rPr>
+              <a:t>🛠 </a:t>
+            </a:r>
+            <a:r>
+              <a:rPr lang="en-US" sz="2800" b="1" dirty="0">
+                <a:latin typeface="Arial" panose="020B0604020202020204" pitchFamily="34" charset="0"/>
+                <a:cs typeface="Arial" panose="020B0604020202020204" pitchFamily="34" charset="0"/>
+              </a:rPr>
+              <a:t>Programming Language:</a:t>
+            </a:r>
+            <a:r>
+              <a:rPr lang="en-US" sz="2800" dirty="0">
+                <a:latin typeface="Arial" panose="020B0604020202020204" pitchFamily="34" charset="0"/>
+                <a:cs typeface="Arial" panose="020B0604020202020204" pitchFamily="34" charset="0"/>
+              </a:rPr>
+              <a:t> Python</a:t>
+            </a:r>
+            <a:br>
+              <a:rPr lang="en-US" sz="2800" dirty="0">
+                <a:latin typeface="Arial" panose="020B0604020202020204" pitchFamily="34" charset="0"/>
+                <a:cs typeface="Arial" panose="020B0604020202020204" pitchFamily="34" charset="0"/>
+              </a:rPr>
+            </a:br>
+            <a:r>
+              <a:rPr lang="en-US" sz="2800" dirty="0">
+                <a:latin typeface="Arial" panose="020B0604020202020204" pitchFamily="34" charset="0"/>
+                <a:cs typeface="Arial" panose="020B0604020202020204" pitchFamily="34" charset="0"/>
+              </a:rPr>
+              <a:t>🖥 </a:t>
+            </a:r>
+            <a:r>
+              <a:rPr lang="en-US" sz="2800" b="1" dirty="0">
+                <a:latin typeface="Arial" panose="020B0604020202020204" pitchFamily="34" charset="0"/>
+                <a:cs typeface="Arial" panose="020B0604020202020204" pitchFamily="34" charset="0"/>
+              </a:rPr>
+              <a:t>Frontend:</a:t>
+            </a:r>
+            <a:r>
+              <a:rPr lang="en-US" sz="2800" dirty="0">
+                <a:latin typeface="Arial" panose="020B0604020202020204" pitchFamily="34" charset="0"/>
+                <a:cs typeface="Arial" panose="020B0604020202020204" pitchFamily="34" charset="0"/>
+              </a:rPr>
+              <a:t> HTML, CSS (Dark Theme), JavaScript</a:t>
+            </a:r>
+            <a:br>
+              <a:rPr lang="en-US" sz="2800" dirty="0">
+                <a:latin typeface="Arial" panose="020B0604020202020204" pitchFamily="34" charset="0"/>
+                <a:cs typeface="Arial" panose="020B0604020202020204" pitchFamily="34" charset="0"/>
+              </a:rPr>
+            </a:br>
+            <a:r>
+              <a:rPr lang="en-US" sz="2800" dirty="0">
+                <a:latin typeface="Arial" panose="020B0604020202020204" pitchFamily="34" charset="0"/>
+                <a:cs typeface="Arial" panose="020B0604020202020204" pitchFamily="34" charset="0"/>
+              </a:rPr>
+              <a:t>🔗 </a:t>
+            </a:r>
+            <a:r>
+              <a:rPr lang="en-US" sz="2800" b="1" dirty="0">
+                <a:latin typeface="Arial" panose="020B0604020202020204" pitchFamily="34" charset="0"/>
+                <a:cs typeface="Arial" panose="020B0604020202020204" pitchFamily="34" charset="0"/>
+              </a:rPr>
+              <a:t>Backend:</a:t>
+            </a:r>
+            <a:r>
+              <a:rPr lang="en-US" sz="2800" dirty="0">
+                <a:latin typeface="Arial" panose="020B0604020202020204" pitchFamily="34" charset="0"/>
+                <a:cs typeface="Arial" panose="020B0604020202020204" pitchFamily="34" charset="0"/>
+              </a:rPr>
+              <a:t> Flask</a:t>
+            </a:r>
+          </a:p>
+          <a:p>
+            <a:pPr marL="0" indent="0">
+              <a:buNone/>
+            </a:pPr>
+            <a:r>
+              <a:rPr lang="en-US" sz="2800" dirty="0">
+                <a:latin typeface="Arial" panose="020B0604020202020204" pitchFamily="34" charset="0"/>
+                <a:cs typeface="Arial" panose="020B0604020202020204" pitchFamily="34" charset="0"/>
+              </a:rPr>
+              <a:t>💻</a:t>
+            </a:r>
+            <a:r>
+              <a:rPr lang="en-IN" sz="2800" b="1" dirty="0">
+                <a:solidFill>
+                  <a:schemeClr val="tx1"/>
+                </a:solidFill>
+                <a:latin typeface="Arial" panose="020B0604020202020204" pitchFamily="34" charset="0"/>
+                <a:cs typeface="Arial" panose="020B0604020202020204" pitchFamily="34" charset="0"/>
+              </a:rPr>
+              <a:t>Platform: </a:t>
+            </a:r>
+            <a:r>
+              <a:rPr lang="en-IN" sz="2800" dirty="0">
+                <a:solidFill>
+                  <a:schemeClr val="tx1"/>
+                </a:solidFill>
+                <a:latin typeface="Arial" panose="020B0604020202020204" pitchFamily="34" charset="0"/>
+                <a:cs typeface="Arial" panose="020B0604020202020204" pitchFamily="34" charset="0"/>
+              </a:rPr>
+              <a:t>Windows 11</a:t>
+            </a:r>
+            <a:br>
+              <a:rPr lang="en-US" sz="2800" dirty="0">
+                <a:latin typeface="Arial" panose="020B0604020202020204" pitchFamily="34" charset="0"/>
+                <a:cs typeface="Arial" panose="020B0604020202020204" pitchFamily="34" charset="0"/>
+              </a:rPr>
+            </a:br>
+            <a:r>
+              <a:rPr lang="en-US" sz="2800" dirty="0">
+                <a:latin typeface="Arial" panose="020B0604020202020204" pitchFamily="34" charset="0"/>
+                <a:cs typeface="Arial" panose="020B0604020202020204" pitchFamily="34" charset="0"/>
+              </a:rPr>
+              <a:t>📦 </a:t>
+            </a:r>
+            <a:r>
+              <a:rPr lang="en-US" sz="2800" b="1" dirty="0">
+                <a:latin typeface="Arial" panose="020B0604020202020204" pitchFamily="34" charset="0"/>
+                <a:cs typeface="Arial" panose="020B0604020202020204" pitchFamily="34" charset="0"/>
+              </a:rPr>
+              <a:t>Libraries Used:</a:t>
+            </a:r>
+            <a:br>
+              <a:rPr lang="en-US" sz="2800" dirty="0">
+                <a:latin typeface="Arial" panose="020B0604020202020204" pitchFamily="34" charset="0"/>
+                <a:cs typeface="Arial" panose="020B0604020202020204" pitchFamily="34" charset="0"/>
+              </a:rPr>
+            </a:br>
+            <a:r>
+              <a:rPr lang="en-US" sz="2800" dirty="0">
+                <a:latin typeface="Arial" panose="020B0604020202020204" pitchFamily="34" charset="0"/>
+                <a:cs typeface="Arial" panose="020B0604020202020204" pitchFamily="34" charset="0"/>
+              </a:rPr>
+              <a:t>✅ </a:t>
+            </a:r>
+            <a:r>
+              <a:rPr lang="en-US" sz="2800" b="1" dirty="0">
+                <a:latin typeface="Arial" panose="020B0604020202020204" pitchFamily="34" charset="0"/>
+                <a:cs typeface="Arial" panose="020B0604020202020204" pitchFamily="34" charset="0"/>
+              </a:rPr>
+              <a:t>OpenCV</a:t>
+            </a:r>
+            <a:r>
+              <a:rPr lang="en-US" sz="2800" dirty="0">
+                <a:latin typeface="Arial" panose="020B0604020202020204" pitchFamily="34" charset="0"/>
+                <a:cs typeface="Arial" panose="020B0604020202020204" pitchFamily="34" charset="0"/>
+              </a:rPr>
+              <a:t> – Image Processing</a:t>
+            </a:r>
+            <a:br>
+              <a:rPr lang="en-US" sz="2800" dirty="0">
+                <a:latin typeface="Arial" panose="020B0604020202020204" pitchFamily="34" charset="0"/>
+                <a:cs typeface="Arial" panose="020B0604020202020204" pitchFamily="34" charset="0"/>
+              </a:rPr>
+            </a:br>
+            <a:r>
+              <a:rPr lang="en-US" sz="2800" dirty="0">
+                <a:latin typeface="Arial" panose="020B0604020202020204" pitchFamily="34" charset="0"/>
+                <a:cs typeface="Arial" panose="020B0604020202020204" pitchFamily="34" charset="0"/>
+              </a:rPr>
+              <a:t>✅ </a:t>
+            </a:r>
+            <a:r>
+              <a:rPr lang="en-US" sz="2800" b="1" dirty="0">
+                <a:latin typeface="Arial" panose="020B0604020202020204" pitchFamily="34" charset="0"/>
+                <a:cs typeface="Arial" panose="020B0604020202020204" pitchFamily="34" charset="0"/>
+              </a:rPr>
+              <a:t>NumPy</a:t>
+            </a:r>
+            <a:r>
+              <a:rPr lang="en-US" sz="2800" dirty="0">
+                <a:latin typeface="Arial" panose="020B0604020202020204" pitchFamily="34" charset="0"/>
+                <a:cs typeface="Arial" panose="020B0604020202020204" pitchFamily="34" charset="0"/>
+              </a:rPr>
+              <a:t> – Array Manipulation</a:t>
+            </a:r>
+            <a:br>
+              <a:rPr lang="en-US" sz="2800" dirty="0">
+                <a:latin typeface="Arial" panose="020B0604020202020204" pitchFamily="34" charset="0"/>
+                <a:cs typeface="Arial" panose="020B0604020202020204" pitchFamily="34" charset="0"/>
+              </a:rPr>
+            </a:br>
+            <a:r>
+              <a:rPr lang="en-US" sz="2800" dirty="0">
+                <a:latin typeface="Arial" panose="020B0604020202020204" pitchFamily="34" charset="0"/>
+                <a:cs typeface="Arial" panose="020B0604020202020204" pitchFamily="34" charset="0"/>
+              </a:rPr>
+              <a:t>✅ </a:t>
+            </a:r>
+            <a:r>
+              <a:rPr lang="en-US" sz="2800" b="1" dirty="0">
+                <a:latin typeface="Arial" panose="020B0604020202020204" pitchFamily="34" charset="0"/>
+                <a:cs typeface="Arial" panose="020B0604020202020204" pitchFamily="34" charset="0"/>
+              </a:rPr>
+              <a:t>Flask</a:t>
+            </a:r>
+            <a:r>
+              <a:rPr lang="en-US" sz="2800" dirty="0">
+                <a:latin typeface="Arial" panose="020B0604020202020204" pitchFamily="34" charset="0"/>
+                <a:cs typeface="Arial" panose="020B0604020202020204" pitchFamily="34" charset="0"/>
+              </a:rPr>
+              <a:t> – Web Server</a:t>
             </a:r>
           </a:p>
         </p:txBody>
@@ -5125,7 +5426,7 @@
           <p:cNvPr id="5" name="Title 4">
             <a:extLst>
               <a:ext uri="{FF2B5EF4-FFF2-40B4-BE49-F238E27FC236}">
-                <a16:creationId xmlns:a16="http://schemas.microsoft.com/office/drawing/2014/main" xmlns="" id="{8FBA75B4-2DD5-42EB-9397-F36BFB8BA723}"/>
+                <a16:creationId xmlns:a16="http://schemas.microsoft.com/office/drawing/2014/main" id="{8FBA75B4-2DD5-42EB-9397-F36BFB8BA723}"/>
               </a:ext>
             </a:extLst>
           </p:cNvPr>
@@ -5174,7 +5475,7 @@
           <p:cNvPr id="2" name="Content Placeholder 1">
             <a:extLst>
               <a:ext uri="{FF2B5EF4-FFF2-40B4-BE49-F238E27FC236}">
-                <a16:creationId xmlns:a16="http://schemas.microsoft.com/office/drawing/2014/main" xmlns="" id="{C4FFAF3C-BA60-9181-132C-C36C403AAEA7}"/>
+                <a16:creationId xmlns:a16="http://schemas.microsoft.com/office/drawing/2014/main" id="{C4FFAF3C-BA60-9181-132C-C36C403AAEA7}"/>
               </a:ext>
             </a:extLst>
           </p:cNvPr>
@@ -5187,20 +5488,127 @@
         </p:nvSpPr>
         <p:spPr/>
         <p:txBody>
-          <a:bodyPr/>
+          <a:bodyPr>
+            <a:normAutofit/>
+          </a:bodyPr>
           <a:lstStyle/>
           <a:p>
             <a:pPr marL="0" indent="0">
               <a:buNone/>
             </a:pPr>
             <a:r>
-              <a:rPr lang="en-IN" sz="1800" b="1" dirty="0">
-                <a:solidFill>
-                  <a:srgbClr val="0F0F0F"/>
-                </a:solidFill>
-              </a:rPr>
-              <a:t>What makes this project stand out from other project(Unique features)</a:t>
-            </a:r>
+              <a:rPr lang="en-US" sz="2400" dirty="0"/>
+              <a:t>🔥 </a:t>
+            </a:r>
+            <a:r>
+              <a:rPr lang="en-US" sz="2400" b="1" dirty="0"/>
+              <a:t>Password-Based Image Encryption</a:t>
+            </a:r>
+            <a:r>
+              <a:rPr lang="en-US" sz="2400" dirty="0"/>
+              <a:t> – Users can encrypt images with a </a:t>
+            </a:r>
+            <a:r>
+              <a:rPr lang="en-US" sz="2400" b="1" dirty="0"/>
+              <a:t>custom password</a:t>
+            </a:r>
+            <a:r>
+              <a:rPr lang="en-US" sz="2400" dirty="0"/>
+              <a:t>, preventing unauthorized access.</a:t>
+            </a:r>
+            <a:br>
+              <a:rPr lang="en-US" sz="2400" dirty="0"/>
+            </a:br>
+            <a:r>
+              <a:rPr lang="en-US" sz="2400" dirty="0"/>
+              <a:t>🔥 </a:t>
+            </a:r>
+            <a:r>
+              <a:rPr lang="en-US" sz="2400" b="1" dirty="0"/>
+              <a:t>Data Hidden Inside Image Pixels</a:t>
+            </a:r>
+            <a:r>
+              <a:rPr lang="en-US" sz="2400" dirty="0"/>
+              <a:t> – Encryption </a:t>
+            </a:r>
+            <a:r>
+              <a:rPr lang="en-US" sz="2400" b="1" dirty="0"/>
+              <a:t>stores message directly in image pixels</a:t>
+            </a:r>
+            <a:r>
+              <a:rPr lang="en-US" sz="2400" dirty="0"/>
+              <a:t>, making it hard to detect.</a:t>
+            </a:r>
+            <a:br>
+              <a:rPr lang="en-US" sz="2400" dirty="0"/>
+            </a:br>
+            <a:r>
+              <a:rPr lang="en-US" sz="2400" dirty="0"/>
+              <a:t>🔥 </a:t>
+            </a:r>
+            <a:r>
+              <a:rPr lang="en-US" sz="2400" b="1" dirty="0"/>
+              <a:t>Modern Dark-Themed UI</a:t>
+            </a:r>
+            <a:r>
+              <a:rPr lang="en-US" sz="2400" dirty="0"/>
+              <a:t> – Provides a </a:t>
+            </a:r>
+            <a:r>
+              <a:rPr lang="en-US" sz="2400" b="1" dirty="0"/>
+              <a:t>sleek, visually appealing dark mode interface.</a:t>
+            </a:r>
+            <a:br>
+              <a:rPr lang="en-US" sz="2400" dirty="0"/>
+            </a:br>
+            <a:r>
+              <a:rPr lang="en-US" sz="2400" dirty="0"/>
+              <a:t>🔥 </a:t>
+            </a:r>
+            <a:r>
+              <a:rPr lang="en-US" sz="2400" b="1" dirty="0"/>
+              <a:t>Works on Any Device</a:t>
+            </a:r>
+            <a:r>
+              <a:rPr lang="en-US" sz="2400" dirty="0"/>
+              <a:t> – Accessible via </a:t>
+            </a:r>
+            <a:r>
+              <a:rPr lang="en-US" sz="2400" b="1" dirty="0"/>
+              <a:t>any browser</a:t>
+            </a:r>
+            <a:r>
+              <a:rPr lang="en-US" sz="2400" dirty="0"/>
+              <a:t> with no installation required.</a:t>
+            </a:r>
+            <a:br>
+              <a:rPr lang="en-US" sz="2400" dirty="0"/>
+            </a:br>
+            <a:r>
+              <a:rPr lang="en-US" sz="2400" dirty="0"/>
+              <a:t>🔥 </a:t>
+            </a:r>
+            <a:r>
+              <a:rPr lang="en-US" sz="2400" b="1" dirty="0"/>
+              <a:t>Instant Encryption &amp; Decryption</a:t>
+            </a:r>
+            <a:r>
+              <a:rPr lang="en-US" sz="2400" dirty="0"/>
+              <a:t> – </a:t>
+            </a:r>
+            <a:r>
+              <a:rPr lang="en-US" sz="2400" b="1" dirty="0"/>
+              <a:t>Real-time processing</a:t>
+            </a:r>
+            <a:r>
+              <a:rPr lang="en-US" sz="2400" dirty="0"/>
+              <a:t> ensures quick and secure image protection.</a:t>
+            </a:r>
+            <a:endParaRPr lang="en-IN" sz="2000" b="1" dirty="0">
+              <a:solidFill>
+                <a:srgbClr val="0F0F0F"/>
+              </a:solidFill>
+            </a:endParaRPr>
           </a:p>
         </p:txBody>
       </p:sp>
@@ -5239,7 +5647,7 @@
           <p:cNvPr id="2" name="Title 1">
             <a:extLst>
               <a:ext uri="{FF2B5EF4-FFF2-40B4-BE49-F238E27FC236}">
-                <a16:creationId xmlns:a16="http://schemas.microsoft.com/office/drawing/2014/main" xmlns="" id="{5F45986D-DBC5-8220-FE6F-7F2ABC7C4CEE}"/>
+                <a16:creationId xmlns:a16="http://schemas.microsoft.com/office/drawing/2014/main" id="{5F45986D-DBC5-8220-FE6F-7F2ABC7C4CEE}"/>
               </a:ext>
             </a:extLst>
           </p:cNvPr>
@@ -5271,7 +5679,7 @@
           <p:cNvPr id="3" name="Content Placeholder 2">
             <a:extLst>
               <a:ext uri="{FF2B5EF4-FFF2-40B4-BE49-F238E27FC236}">
-                <a16:creationId xmlns:a16="http://schemas.microsoft.com/office/drawing/2014/main" xmlns="" id="{AB679E23-F86A-AFA9-FE9C-7F5A518E8198}"/>
+                <a16:creationId xmlns:a16="http://schemas.microsoft.com/office/drawing/2014/main" id="{AB679E23-F86A-AFA9-FE9C-7F5A518E8198}"/>
               </a:ext>
             </a:extLst>
           </p:cNvPr>
@@ -5284,13 +5692,104 @@
         </p:nvSpPr>
         <p:spPr/>
         <p:txBody>
-          <a:bodyPr/>
+          <a:bodyPr>
+            <a:normAutofit/>
+          </a:bodyPr>
           <a:lstStyle/>
           <a:p>
             <a:r>
-              <a:rPr lang="en-IN" dirty="0"/>
-              <a:t>Who are the end users</a:t>
-            </a:r>
+              <a:rPr lang="en-US" sz="2800" dirty="0"/>
+              <a:t>🎯 </a:t>
+            </a:r>
+            <a:r>
+              <a:rPr lang="en-US" sz="2800" b="1" dirty="0"/>
+              <a:t>Who Can Use This?</a:t>
+            </a:r>
+            <a:br>
+              <a:rPr lang="en-US" sz="2800" dirty="0"/>
+            </a:br>
+            <a:r>
+              <a:rPr lang="en-US" sz="2800" dirty="0"/>
+              <a:t>✅ </a:t>
+            </a:r>
+            <a:r>
+              <a:rPr lang="en-US" sz="2800" b="1" dirty="0"/>
+              <a:t>Individuals</a:t>
+            </a:r>
+            <a:r>
+              <a:rPr lang="en-US" sz="2800" dirty="0"/>
+              <a:t> – Protect private photos &amp; personal data.</a:t>
+            </a:r>
+            <a:br>
+              <a:rPr lang="en-US" sz="2800" dirty="0"/>
+            </a:br>
+            <a:r>
+              <a:rPr lang="en-US" sz="2800" dirty="0"/>
+              <a:t>✅ </a:t>
+            </a:r>
+            <a:r>
+              <a:rPr lang="en-US" sz="2800" b="1" dirty="0"/>
+              <a:t>Organizations</a:t>
+            </a:r>
+            <a:r>
+              <a:rPr lang="en-US" sz="2800" dirty="0"/>
+              <a:t> – Encrypt sensitive documents like </a:t>
+            </a:r>
+            <a:r>
+              <a:rPr lang="en-US" sz="2800" b="1" dirty="0"/>
+              <a:t>ID scans, legal papers, and medical records</a:t>
+            </a:r>
+            <a:r>
+              <a:rPr lang="en-US" sz="2800" dirty="0"/>
+              <a:t>.</a:t>
+            </a:r>
+            <a:br>
+              <a:rPr lang="en-US" sz="2800" dirty="0"/>
+            </a:br>
+            <a:r>
+              <a:rPr lang="en-US" sz="2800" dirty="0"/>
+              <a:t>✅ </a:t>
+            </a:r>
+            <a:r>
+              <a:rPr lang="en-US" sz="2800" b="1" dirty="0"/>
+              <a:t>Cybersecurity Enthusiasts</a:t>
+            </a:r>
+            <a:r>
+              <a:rPr lang="en-US" sz="2800" dirty="0"/>
+              <a:t> – Learn about </a:t>
+            </a:r>
+            <a:r>
+              <a:rPr lang="en-US" sz="2800" b="1" dirty="0"/>
+              <a:t>image-based encryption techniques</a:t>
+            </a:r>
+            <a:r>
+              <a:rPr lang="en-US" sz="2800" dirty="0"/>
+              <a:t>.</a:t>
+            </a:r>
+            <a:br>
+              <a:rPr lang="en-US" sz="2800" dirty="0"/>
+            </a:br>
+            <a:r>
+              <a:rPr lang="en-US" sz="2800" dirty="0"/>
+              <a:t>✅ </a:t>
+            </a:r>
+            <a:r>
+              <a:rPr lang="en-US" sz="2800" b="1" dirty="0"/>
+              <a:t>Developers &amp; Researchers</a:t>
+            </a:r>
+            <a:r>
+              <a:rPr lang="en-US" sz="2800" dirty="0"/>
+              <a:t> – Use as a base for </a:t>
+            </a:r>
+            <a:r>
+              <a:rPr lang="en-US" sz="2800" b="1" dirty="0"/>
+              <a:t>advanced encryption projects</a:t>
+            </a:r>
+            <a:r>
+              <a:rPr lang="en-US" sz="2800" dirty="0"/>
+              <a:t>.</a:t>
+            </a:r>
+            <a:endParaRPr lang="en-IN" sz="2800" dirty="0"/>
           </a:p>
         </p:txBody>
       </p:sp>
@@ -5310,6 +5809,14 @@
 <file path=ppt/slides/slide7.xml><?xml version="1.0" encoding="utf-8"?>
 <p:sld xmlns:a="http://schemas.openxmlformats.org/drawingml/2006/main" xmlns:r="http://schemas.openxmlformats.org/officeDocument/2006/relationships" xmlns:p="http://schemas.openxmlformats.org/presentationml/2006/main">
   <p:cSld>
+    <p:bg>
+      <p:bgPr>
+        <a:solidFill>
+          <a:schemeClr val="bg1"/>
+        </a:solidFill>
+        <a:effectLst/>
+      </p:bgPr>
+    </p:bg>
     <p:spTree>
       <p:nvGrpSpPr>
         <p:cNvPr id="1" name=""/>
@@ -5324,12 +5831,72 @@
           <a:chExt cx="0" cy="0"/>
         </a:xfrm>
       </p:grpSpPr>
+      <p:sp useBgFill="1">
+        <p:nvSpPr>
+          <p:cNvPr id="16" name="Rectangle 15">
+            <a:extLst>
+              <a:ext uri="{FF2B5EF4-FFF2-40B4-BE49-F238E27FC236}">
+                <a16:creationId xmlns:a16="http://schemas.microsoft.com/office/drawing/2014/main" id="{504BED40-EAF7-4E55-AFF7-2CD840EBD3AA}"/>
+              </a:ext>
+              <a:ext uri="{C183D7F6-B498-43B3-948B-1728B52AA6E4}">
+                <adec:decorative xmlns:adec="http://schemas.microsoft.com/office/drawing/2017/decorative" val="1"/>
+              </a:ext>
+            </a:extLst>
+          </p:cNvPr>
+          <p:cNvSpPr>
+            <a:spLocks noGrp="1" noRot="1" noChangeAspect="1" noMove="1" noResize="1" noEditPoints="1" noAdjustHandles="1" noChangeArrowheads="1" noChangeShapeType="1" noTextEdit="1"/>
+          </p:cNvSpPr>
+          <p:nvPr>
+            <p:extLst>
+              <p:ext uri="{386F3935-93C4-4BCD-93E2-E3B085C9AB24}">
+                <p16:designElem xmlns:p16="http://schemas.microsoft.com/office/powerpoint/2015/main" val="1"/>
+              </p:ext>
+            </p:extLst>
+          </p:nvPr>
+        </p:nvSpPr>
+        <p:spPr>
+          <a:xfrm>
+            <a:off x="0" y="0"/>
+            <a:ext cx="12192000" cy="6858000"/>
+          </a:xfrm>
+          <a:prstGeom prst="rect">
+            <a:avLst/>
+          </a:prstGeom>
+          <a:ln>
+            <a:noFill/>
+          </a:ln>
+        </p:spPr>
+        <p:style>
+          <a:lnRef idx="2">
+            <a:schemeClr val="accent1">
+              <a:shade val="50000"/>
+            </a:schemeClr>
+          </a:lnRef>
+          <a:fillRef idx="1">
+            <a:schemeClr val="accent1"/>
+          </a:fillRef>
+          <a:effectRef idx="0">
+            <a:schemeClr val="accent1"/>
+          </a:effectRef>
+          <a:fontRef idx="minor">
+            <a:schemeClr val="lt1"/>
+          </a:fontRef>
+        </p:style>
+        <p:txBody>
+          <a:bodyPr rtlCol="0" anchor="ctr"/>
+          <a:lstStyle/>
+          <a:p>
+            <a:pPr algn="ctr"/>
+            <a:endParaRPr lang="en-US"/>
+          </a:p>
+        </p:txBody>
+      </p:sp>
       <p:sp>
         <p:nvSpPr>
           <p:cNvPr id="2" name="Title 1">
             <a:extLst>
               <a:ext uri="{FF2B5EF4-FFF2-40B4-BE49-F238E27FC236}">
-                <a16:creationId xmlns:a16="http://schemas.microsoft.com/office/drawing/2014/main" xmlns="" id="{A4F8070C-FF0D-BBE3-3D8A-C3794CCCE8A2}"/>
+                <a16:creationId xmlns:a16="http://schemas.microsoft.com/office/drawing/2014/main" id="{A4F8070C-FF0D-BBE3-3D8A-C3794CCCE8A2}"/>
               </a:ext>
             </a:extLst>
           </p:cNvPr>
@@ -5340,15 +5907,22 @@
             <p:ph type="title"/>
           </p:nvPr>
         </p:nvSpPr>
-        <p:spPr/>
-        <p:txBody>
-          <a:bodyPr/>
+        <p:spPr>
+          <a:xfrm>
+            <a:off x="581193" y="702156"/>
+            <a:ext cx="6540462" cy="1013800"/>
+          </a:xfrm>
+        </p:spPr>
+        <p:txBody>
+          <a:bodyPr>
+            <a:normAutofit/>
+          </a:bodyPr>
           <a:lstStyle/>
           <a:p>
             <a:r>
-              <a:rPr lang="en-IN" dirty="0">
+              <a:rPr lang="en-IN">
                 <a:solidFill>
-                  <a:schemeClr val="accent1"/>
+                  <a:schemeClr val="tx2"/>
                 </a:solidFill>
               </a:rPr>
               <a:t>Results</a:t>
@@ -5358,32 +5932,221 @@
       </p:sp>
       <p:sp>
         <p:nvSpPr>
-          <p:cNvPr id="3" name="Content Placeholder 2">
+          <p:cNvPr id="18" name="Rectangle 17">
             <a:extLst>
               <a:ext uri="{FF2B5EF4-FFF2-40B4-BE49-F238E27FC236}">
-                <a16:creationId xmlns:a16="http://schemas.microsoft.com/office/drawing/2014/main" xmlns="" id="{805D7125-AC62-752D-6E68-9EB88BCC631C}"/>
+                <a16:creationId xmlns:a16="http://schemas.microsoft.com/office/drawing/2014/main" id="{F367CCF1-BB1E-41CF-8499-94A870C33EFA}"/>
+              </a:ext>
+              <a:ext uri="{C183D7F6-B498-43B3-948B-1728B52AA6E4}">
+                <adec:decorative xmlns:adec="http://schemas.microsoft.com/office/drawing/2017/decorative" val="1"/>
               </a:ext>
             </a:extLst>
           </p:cNvPr>
           <p:cNvSpPr>
-            <a:spLocks noGrp="1"/>
-          </p:cNvSpPr>
-          <p:nvPr>
-            <p:ph idx="1"/>
-          </p:nvPr>
-        </p:nvSpPr>
-        <p:spPr/>
+            <a:spLocks noGrp="1" noRot="1" noChangeAspect="1" noMove="1" noResize="1" noEditPoints="1" noAdjustHandles="1" noChangeArrowheads="1" noChangeShapeType="1" noTextEdit="1"/>
+          </p:cNvSpPr>
+          <p:nvPr>
+            <p:extLst>
+              <p:ext uri="{386F3935-93C4-4BCD-93E2-E3B085C9AB24}">
+                <p16:designElem xmlns:p16="http://schemas.microsoft.com/office/powerpoint/2015/main" val="1"/>
+              </p:ext>
+            </p:extLst>
+          </p:nvPr>
+        </p:nvSpPr>
+        <p:spPr>
+          <a:xfrm>
+            <a:off x="446534" y="457200"/>
+            <a:ext cx="6675120" cy="94997"/>
+          </a:xfrm>
+          <a:prstGeom prst="rect">
+            <a:avLst/>
+          </a:prstGeom>
+          <a:solidFill>
+            <a:schemeClr val="accent1"/>
+          </a:solidFill>
+          <a:ln>
+            <a:noFill/>
+          </a:ln>
+          <a:effectLst/>
+        </p:spPr>
+        <p:style>
+          <a:lnRef idx="1">
+            <a:schemeClr val="accent1"/>
+          </a:lnRef>
+          <a:fillRef idx="3">
+            <a:schemeClr val="accent1"/>
+          </a:fillRef>
+          <a:effectRef idx="2">
+            <a:schemeClr val="accent1"/>
+          </a:effectRef>
+          <a:fontRef idx="minor">
+            <a:schemeClr val="lt1"/>
+          </a:fontRef>
+        </p:style>
         <p:txBody>
           <a:bodyPr/>
           <a:lstStyle/>
           <a:p>
-            <a:r>
-              <a:rPr lang="en-IN" dirty="0"/>
-              <a:t>Screenshots of the outcome (min 3)</a:t>
-            </a:r>
-          </a:p>
-        </p:txBody>
-      </p:sp>
+            <a:endParaRPr lang="en-US"/>
+          </a:p>
+        </p:txBody>
+      </p:sp>
+      <p:sp>
+        <p:nvSpPr>
+          <p:cNvPr id="13" name="Content Placeholder 12">
+            <a:extLst>
+              <a:ext uri="{FF2B5EF4-FFF2-40B4-BE49-F238E27FC236}">
+                <a16:creationId xmlns:a16="http://schemas.microsoft.com/office/drawing/2014/main" id="{9A2A462C-2AA7-1A45-2CEF-400F4127A528}"/>
+              </a:ext>
+            </a:extLst>
+          </p:cNvPr>
+          <p:cNvSpPr>
+            <a:spLocks noGrp="1"/>
+          </p:cNvSpPr>
+          <p:nvPr>
+            <p:ph idx="1"/>
+          </p:nvPr>
+        </p:nvSpPr>
+        <p:spPr>
+          <a:xfrm>
+            <a:off x="581194" y="1896533"/>
+            <a:ext cx="6309003" cy="3962266"/>
+          </a:xfrm>
+        </p:spPr>
+        <p:txBody>
+          <a:bodyPr>
+            <a:normAutofit/>
+          </a:bodyPr>
+          <a:lstStyle/>
+          <a:p>
+            <a:r>
+              <a:rPr lang="en-US" sz="2800" dirty="0"/>
+              <a:t>1️⃣ </a:t>
+            </a:r>
+            <a:r>
+              <a:rPr lang="en-US" sz="2800" b="1" dirty="0"/>
+              <a:t>Uploading an Image for Encryption</a:t>
+            </a:r>
+            <a:br>
+              <a:rPr lang="en-US" sz="2800" dirty="0"/>
+            </a:br>
+            <a:r>
+              <a:rPr lang="en-US" sz="2800" dirty="0"/>
+              <a:t>2️⃣ </a:t>
+            </a:r>
+            <a:r>
+              <a:rPr lang="en-US" sz="2800" b="1" dirty="0"/>
+              <a:t>Encrypted Image Output (showing encryption applied)</a:t>
+            </a:r>
+            <a:br>
+              <a:rPr lang="en-US" sz="2800" dirty="0"/>
+            </a:br>
+            <a:r>
+              <a:rPr lang="en-US" sz="2800" dirty="0"/>
+              <a:t>3️⃣ </a:t>
+            </a:r>
+            <a:r>
+              <a:rPr lang="en-US" sz="2800" b="1" dirty="0"/>
+              <a:t>Decryption &amp; Displaying the Hidden Message</a:t>
+            </a:r>
+            <a:endParaRPr lang="en-US" sz="2800" dirty="0"/>
+          </a:p>
+          <a:p>
+            <a:endParaRPr lang="en-US" sz="2800" dirty="0">
+              <a:solidFill>
+                <a:schemeClr val="tx2"/>
+              </a:solidFill>
+            </a:endParaRPr>
+          </a:p>
+        </p:txBody>
+      </p:sp>
+      <p:pic>
+        <p:nvPicPr>
+          <p:cNvPr id="9" name="Picture 8" descr="A screenshot of a computer&#10;&#10;AI-generated content may be incorrect.">
+            <a:extLst>
+              <a:ext uri="{FF2B5EF4-FFF2-40B4-BE49-F238E27FC236}">
+                <a16:creationId xmlns:a16="http://schemas.microsoft.com/office/drawing/2014/main" id="{1D07DE9B-EB20-F883-C3DD-EFEA7ADD7891}"/>
+              </a:ext>
+            </a:extLst>
+          </p:cNvPr>
+          <p:cNvPicPr>
+            <a:picLocks noChangeAspect="1"/>
+          </p:cNvPicPr>
+          <p:nvPr/>
+        </p:nvPicPr>
+        <p:blipFill>
+          <a:blip r:embed="rId2"/>
+          <a:srcRect r="4" b="14683"/>
+          <a:stretch/>
+        </p:blipFill>
+        <p:spPr>
+          <a:xfrm>
+            <a:off x="7460649" y="4532272"/>
+            <a:ext cx="4623812" cy="2219099"/>
+          </a:xfrm>
+          <a:prstGeom prst="rect">
+            <a:avLst/>
+          </a:prstGeom>
+        </p:spPr>
+      </p:pic>
+      <p:pic>
+        <p:nvPicPr>
+          <p:cNvPr id="5" name="Content Placeholder 4" descr="A screenshot of a computer&#10;&#10;AI-generated content may be incorrect.">
+            <a:extLst>
+              <a:ext uri="{FF2B5EF4-FFF2-40B4-BE49-F238E27FC236}">
+                <a16:creationId xmlns:a16="http://schemas.microsoft.com/office/drawing/2014/main" id="{2626AE10-EA1E-CA52-30F2-7D5432EAE931}"/>
+              </a:ext>
+            </a:extLst>
+          </p:cNvPr>
+          <p:cNvPicPr>
+            <a:picLocks noChangeAspect="1"/>
+          </p:cNvPicPr>
+          <p:nvPr/>
+        </p:nvPicPr>
+        <p:blipFill>
+          <a:blip r:embed="rId3"/>
+          <a:srcRect t="728" r="3" b="13348"/>
+          <a:stretch/>
+        </p:blipFill>
+        <p:spPr>
+          <a:xfrm>
+            <a:off x="7463812" y="106629"/>
+            <a:ext cx="4620649" cy="2233346"/>
+          </a:xfrm>
+          <a:prstGeom prst="rect">
+            <a:avLst/>
+          </a:prstGeom>
+        </p:spPr>
+      </p:pic>
+      <p:pic>
+        <p:nvPicPr>
+          <p:cNvPr id="7" name="Picture 6" descr="A screenshot of a computer&#10;&#10;AI-generated content may be incorrect.">
+            <a:extLst>
+              <a:ext uri="{FF2B5EF4-FFF2-40B4-BE49-F238E27FC236}">
+                <a16:creationId xmlns:a16="http://schemas.microsoft.com/office/drawing/2014/main" id="{23118103-E032-79F2-5DAA-71F0EF0D4BE3}"/>
+              </a:ext>
+            </a:extLst>
+          </p:cNvPr>
+          <p:cNvPicPr>
+            <a:picLocks noChangeAspect="1"/>
+          </p:cNvPicPr>
+          <p:nvPr/>
+        </p:nvPicPr>
+        <p:blipFill>
+          <a:blip r:embed="rId4"/>
+          <a:srcRect t="968" r="3" b="13381"/>
+          <a:stretch/>
+        </p:blipFill>
+        <p:spPr>
+          <a:xfrm>
+            <a:off x="7460649" y="2339975"/>
+            <a:ext cx="4620649" cy="2226226"/>
+          </a:xfrm>
+          <a:prstGeom prst="rect">
+            <a:avLst/>
+          </a:prstGeom>
+        </p:spPr>
+      </p:pic>
     </p:spTree>
     <p:extLst>
       <p:ext uri="{BB962C8B-B14F-4D97-AF65-F5344CB8AC3E}">
@@ -5419,7 +6182,7 @@
           <p:cNvPr id="2" name="Title 1">
             <a:extLst>
               <a:ext uri="{FF2B5EF4-FFF2-40B4-BE49-F238E27FC236}">
-                <a16:creationId xmlns:a16="http://schemas.microsoft.com/office/drawing/2014/main" xmlns="" id="{FA4C6B3D-1072-C2D2-EBFE-E33CABE394D1}"/>
+                <a16:creationId xmlns:a16="http://schemas.microsoft.com/office/drawing/2014/main" id="{FA4C6B3D-1072-C2D2-EBFE-E33CABE394D1}"/>
               </a:ext>
             </a:extLst>
           </p:cNvPr>
@@ -5451,7 +6214,7 @@
           <p:cNvPr id="3" name="Content Placeholder 2">
             <a:extLst>
               <a:ext uri="{FF2B5EF4-FFF2-40B4-BE49-F238E27FC236}">
-                <a16:creationId xmlns:a16="http://schemas.microsoft.com/office/drawing/2014/main" xmlns="" id="{D4974547-DF1B-77BB-E545-9344EDB9AD3F}"/>
+                <a16:creationId xmlns:a16="http://schemas.microsoft.com/office/drawing/2014/main" id="{D4974547-DF1B-77BB-E545-9344EDB9AD3F}"/>
               </a:ext>
             </a:extLst>
           </p:cNvPr>
@@ -5464,13 +6227,56 @@
         </p:nvSpPr>
         <p:spPr/>
         <p:txBody>
-          <a:bodyPr/>
+          <a:bodyPr>
+            <a:normAutofit/>
+          </a:bodyPr>
           <a:lstStyle/>
           <a:p>
-            <a:r>
-              <a:rPr lang="en-IN" dirty="0"/>
-              <a:t>Conclude your project concerning your problem statement</a:t>
-            </a:r>
+            <a:pPr marL="0" indent="0">
+              <a:buNone/>
+            </a:pPr>
+            <a:r>
+              <a:rPr lang="en-US" sz="3200" dirty="0"/>
+              <a:t>✔ </a:t>
+            </a:r>
+            <a:r>
+              <a:rPr lang="en-US" sz="3200" b="1" dirty="0"/>
+              <a:t>Successfully encrypts and decrypts images using password protection.</a:t>
+            </a:r>
+            <a:br>
+              <a:rPr lang="en-US" sz="3200" dirty="0"/>
+            </a:br>
+            <a:r>
+              <a:rPr lang="en-US" sz="3200" dirty="0"/>
+              <a:t>✔ </a:t>
+            </a:r>
+            <a:r>
+              <a:rPr lang="en-US" sz="3200" b="1" dirty="0"/>
+              <a:t>Provides a secure way to store secret messages inside images.</a:t>
+            </a:r>
+            <a:br>
+              <a:rPr lang="en-US" sz="3200" dirty="0"/>
+            </a:br>
+            <a:r>
+              <a:rPr lang="en-US" sz="3200" dirty="0"/>
+              <a:t>✔ </a:t>
+            </a:r>
+            <a:r>
+              <a:rPr lang="en-US" sz="3200" b="1" dirty="0"/>
+              <a:t>Ensures easy and intuitive access through a modern web-based UI.</a:t>
+            </a:r>
+            <a:br>
+              <a:rPr lang="en-US" sz="3200" dirty="0"/>
+            </a:br>
+            <a:r>
+              <a:rPr lang="en-US" sz="3200" dirty="0"/>
+              <a:t>✔ </a:t>
+            </a:r>
+            <a:r>
+              <a:rPr lang="en-US" sz="3200" b="1" dirty="0"/>
+              <a:t>A step forward in securing digital media from unauthorized access.</a:t>
+            </a:r>
+            <a:endParaRPr lang="en-US" sz="3200" dirty="0"/>
           </a:p>
         </p:txBody>
       </p:sp>
@@ -5509,7 +6315,7 @@
           <p:cNvPr id="2" name="Title 1">
             <a:extLst>
               <a:ext uri="{FF2B5EF4-FFF2-40B4-BE49-F238E27FC236}">
-                <a16:creationId xmlns:a16="http://schemas.microsoft.com/office/drawing/2014/main" xmlns="" id="{48E9F08C-D61F-627D-C4E5-397E3E84FC45}"/>
+                <a16:creationId xmlns:a16="http://schemas.microsoft.com/office/drawing/2014/main" id="{48E9F08C-D61F-627D-C4E5-397E3E84FC45}"/>
               </a:ext>
             </a:extLst>
           </p:cNvPr>
@@ -5541,7 +6347,7 @@
           <p:cNvPr id="3" name="Content Placeholder 2">
             <a:extLst>
               <a:ext uri="{FF2B5EF4-FFF2-40B4-BE49-F238E27FC236}">
-                <a16:creationId xmlns:a16="http://schemas.microsoft.com/office/drawing/2014/main" xmlns="" id="{51A299DD-46FA-7866-41D8-C1BFCC2F69DD}"/>
+                <a16:creationId xmlns:a16="http://schemas.microsoft.com/office/drawing/2014/main" id="{51A299DD-46FA-7866-41D8-C1BFCC2F69DD}"/>
               </a:ext>
             </a:extLst>
           </p:cNvPr>
@@ -5558,9 +6364,12 @@
           <a:lstStyle/>
           <a:p>
             <a:r>
-              <a:rPr lang="en-IN" dirty="0"/>
-              <a:t>Make sure that there should be readme file</a:t>
-            </a:r>
+              <a:rPr lang="en-IN" dirty="0">
+                <a:hlinkClick r:id="rId2"/>
+              </a:rPr>
+              <a:t>https://github.com/Deekshagj/PixelCipher.git</a:t>
+            </a:r>
+            <a:endParaRPr lang="en-IN" dirty="0"/>
           </a:p>
         </p:txBody>
       </p:sp>
@@ -5840,7 +6649,7 @@
   <a:extraClrSchemeLst/>
   <a:extLst>
     <a:ext uri="{05A4C25C-085E-4340-85A3-A5531E510DB2}">
-      <thm15:themeFamily xmlns:thm15="http://schemas.microsoft.com/office/thememl/2012/main" xmlns="" name="DividendVTI" id="{97558BDE-0B66-457C-BB6F-7B1B22DAA9B8}" vid="{F53508A3-AC60-448A-AF37-934D5F1A0D5E}"/>
+      <thm15:themeFamily xmlns:thm15="http://schemas.microsoft.com/office/thememl/2012/main" name="DividendVTI" id="{97558BDE-0B66-457C-BB6F-7B1B22DAA9B8}" vid="{F53508A3-AC60-448A-AF37-934D5F1A0D5E}"/>
     </a:ext>
   </a:extLst>
 </a:theme>
@@ -6135,13 +6944,30 @@
   <a:extraClrSchemeLst/>
   <a:extLst>
     <a:ext uri="{05A4C25C-085E-4340-85A3-A5531E510DB2}">
-      <thm15:themeFamily xmlns:thm15="http://schemas.microsoft.com/office/thememl/2012/main" xmlns="" name="Office Theme" id="{62F939B6-93AF-4DB8-9C6B-D6C7DFDC589F}" vid="{4A3C46E8-61CC-4603-A589-7422A47A8E4A}"/>
+      <thm15:themeFamily xmlns:thm15="http://schemas.microsoft.com/office/thememl/2012/main" name="Office Theme" id="{62F939B6-93AF-4DB8-9C6B-D6C7DFDC589F}" vid="{4A3C46E8-61CC-4603-A589-7422A47A8E4A}"/>
     </a:ext>
   </a:extLst>
 </a:theme>
 </file>
 
 <file path=customXml/item1.xml><?xml version="1.0" encoding="utf-8"?>
+<?mso-contentType ?>
+<FormTemplates xmlns="http://schemas.microsoft.com/sharepoint/v3/contenttype/forms">
+  <Display>DocumentLibraryForm</Display>
+  <Edit>DocumentLibraryForm</Edit>
+  <New>DocumentLibraryForm</New>
+</FormTemplates>
+</file>
+
+<file path=customXml/item2.xml><?xml version="1.0" encoding="utf-8"?>
+<p:properties xmlns:p="http://schemas.microsoft.com/office/2006/metadata/properties" xmlns:xsi="http://www.w3.org/2001/XMLSchema-instance" xmlns:pc="http://schemas.microsoft.com/office/infopath/2007/PartnerControls">
+  <documentManagement>
+    <_activity xmlns="b30265f8-c5e2-4918-b4a1-b977299ca3e2" xsi:nil="true"/>
+  </documentManagement>
+</p:properties>
+</file>
+
+<file path=customXml/item3.xml><?xml version="1.0" encoding="utf-8"?>
 <ct:contentTypeSchema xmlns:ct="http://schemas.microsoft.com/office/2006/metadata/contentType" xmlns:ma="http://schemas.microsoft.com/office/2006/metadata/properties/metaAttributes" ct:_="" ma:_="" ma:contentTypeName="Document" ma:contentTypeID="0x0101007F0268AC5E70984D8FE60B7154176407" ma:contentTypeVersion="15" ma:contentTypeDescription="Create a new document." ma:contentTypeScope="" ma:versionID="104e359103f0f57b1cf9676756e5b944">
   <xsd:schema xmlns:xsd="http://www.w3.org/2001/XMLSchema" xmlns:xs="http://www.w3.org/2001/XMLSchema" xmlns:p="http://schemas.microsoft.com/office/2006/metadata/properties" xmlns:ns3="b30265f8-c5e2-4918-b4a1-b977299ca3e2" xmlns:ns4="fadb41d3-f9cb-40fb-903c-8cacaba95bb5" targetNamespace="http://schemas.microsoft.com/office/2006/metadata/properties" ma:root="true" ma:fieldsID="5615b8f8aa772998bad551f24a33de0e" ns3:_="" ns4:_="">
     <xsd:import namespace="b30265f8-c5e2-4918-b4a1-b977299ca3e2"/>
@@ -6374,24 +7200,32 @@
 </ct:contentTypeSchema>
 </file>
 
-<file path=customXml/item2.xml><?xml version="1.0" encoding="utf-8"?>
-<?mso-contentType ?>
-<FormTemplates xmlns="http://schemas.microsoft.com/sharepoint/v3/contenttype/forms">
-  <Display>DocumentLibraryForm</Display>
-  <Edit>DocumentLibraryForm</Edit>
-  <New>DocumentLibraryForm</New>
-</FormTemplates>
+<file path=customXml/itemProps1.xml><?xml version="1.0" encoding="utf-8"?>
+<ds:datastoreItem xmlns:ds="http://schemas.openxmlformats.org/officeDocument/2006/customXml" ds:itemID="{927BD4C1-B6B1-4715-ABF9-E660A51A4EA0}">
+  <ds:schemaRefs>
+    <ds:schemaRef ds:uri="http://schemas.microsoft.com/sharepoint/v3/contenttype/forms"/>
+  </ds:schemaRefs>
+</ds:datastoreItem>
 </file>
 
-<file path=customXml/item3.xml><?xml version="1.0" encoding="utf-8"?>
-<p:properties xmlns:p="http://schemas.microsoft.com/office/2006/metadata/properties" xmlns:xsi="http://www.w3.org/2001/XMLSchema-instance" xmlns:pc="http://schemas.microsoft.com/office/infopath/2007/PartnerControls">
-  <documentManagement>
-    <_activity xmlns="b30265f8-c5e2-4918-b4a1-b977299ca3e2" xsi:nil="true"/>
-  </documentManagement>
-</p:properties>
+<file path=customXml/itemProps2.xml><?xml version="1.0" encoding="utf-8"?>
+<ds:datastoreItem xmlns:ds="http://schemas.openxmlformats.org/officeDocument/2006/customXml" ds:itemID="{8D289AE2-D2AE-49D1-AFAC-3A79F6794255}">
+  <ds:schemaRefs>
+    <ds:schemaRef ds:uri="http://schemas.openxmlformats.org/package/2006/metadata/core-properties"/>
+    <ds:schemaRef ds:uri="http://schemas.microsoft.com/office/2006/documentManagement/types"/>
+    <ds:schemaRef ds:uri="http://purl.org/dc/dcmitype/"/>
+    <ds:schemaRef ds:uri="http://schemas.microsoft.com/office/infopath/2007/PartnerControls"/>
+    <ds:schemaRef ds:uri="http://purl.org/dc/elements/1.1/"/>
+    <ds:schemaRef ds:uri="http://schemas.microsoft.com/office/2006/metadata/properties"/>
+    <ds:schemaRef ds:uri="fadb41d3-f9cb-40fb-903c-8cacaba95bb5"/>
+    <ds:schemaRef ds:uri="http://purl.org/dc/terms/"/>
+    <ds:schemaRef ds:uri="b30265f8-c5e2-4918-b4a1-b977299ca3e2"/>
+    <ds:schemaRef ds:uri="http://www.w3.org/XML/1998/namespace"/>
+  </ds:schemaRefs>
+</ds:datastoreItem>
 </file>
 
-<file path=customXml/itemProps1.xml><?xml version="1.0" encoding="utf-8"?>
+<file path=customXml/itemProps3.xml><?xml version="1.0" encoding="utf-8"?>
 <ds:datastoreItem xmlns:ds="http://schemas.openxmlformats.org/officeDocument/2006/customXml" ds:itemID="{9DD71778-17EE-4151-88AE-C8F4E8043BD9}">
   <ds:schemaRefs>
     <ds:schemaRef ds:uri="http://schemas.microsoft.com/office/2006/metadata/contentType"/>
@@ -6408,29 +7242,4 @@
     <ds:schemaRef ds:uri="http://schemas.microsoft.com/internal/obd"/>
   </ds:schemaRefs>
 </ds:datastoreItem>
-</file>
-
-<file path=customXml/itemProps2.xml><?xml version="1.0" encoding="utf-8"?>
-<ds:datastoreItem xmlns:ds="http://schemas.openxmlformats.org/officeDocument/2006/customXml" ds:itemID="{927BD4C1-B6B1-4715-ABF9-E660A51A4EA0}">
-  <ds:schemaRefs>
-    <ds:schemaRef ds:uri="http://schemas.microsoft.com/sharepoint/v3/contenttype/forms"/>
-  </ds:schemaRefs>
-</ds:datastoreItem>
-</file>
-
-<file path=customXml/itemProps3.xml><?xml version="1.0" encoding="utf-8"?>
-<ds:datastoreItem xmlns:ds="http://schemas.openxmlformats.org/officeDocument/2006/customXml" ds:itemID="{8D289AE2-D2AE-49D1-AFAC-3A79F6794255}">
-  <ds:schemaRefs>
-    <ds:schemaRef ds:uri="http://schemas.openxmlformats.org/package/2006/metadata/core-properties"/>
-    <ds:schemaRef ds:uri="http://schemas.microsoft.com/office/2006/documentManagement/types"/>
-    <ds:schemaRef ds:uri="http://purl.org/dc/dcmitype/"/>
-    <ds:schemaRef ds:uri="http://schemas.microsoft.com/office/infopath/2007/PartnerControls"/>
-    <ds:schemaRef ds:uri="http://purl.org/dc/elements/1.1/"/>
-    <ds:schemaRef ds:uri="http://schemas.microsoft.com/office/2006/metadata/properties"/>
-    <ds:schemaRef ds:uri="fadb41d3-f9cb-40fb-903c-8cacaba95bb5"/>
-    <ds:schemaRef ds:uri="http://purl.org/dc/terms/"/>
-    <ds:schemaRef ds:uri="b30265f8-c5e2-4918-b4a1-b977299ca3e2"/>
-    <ds:schemaRef ds:uri="http://www.w3.org/XML/1998/namespace"/>
-  </ds:schemaRefs>
-</ds:datastoreItem>
 </file>